--- a/Revue n1/Presentation du projet SFL2 (Paul).pptx
+++ b/Revue n1/Presentation du projet SFL2 (Paul).pptx
@@ -262,7 +262,7 @@
           <a:effectLst/>
           <a:extLst>
             <a:ext uri="{91240B29-F687-4f45-9708-019B960494DF}">
-              <a14:hiddenLine xmlns="" xmlns:a14="http://schemas.microsoft.com/office/drawing/2010/main" w="9525">
+              <a14:hiddenLine xmlns:a14="http://schemas.microsoft.com/office/drawing/2010/main" xmlns="" w="9525">
                 <a:solidFill>
                   <a:srgbClr val="000000"/>
                 </a:solidFill>
@@ -455,7 +455,7 @@
             <a:fld id="{08B9EBBA-996F-894A-B54A-D6246ED52CEA}" type="datetimeFigureOut">
               <a:rPr lang="en-US" dirty="0"/>
               <a:pPr/>
-              <a:t>1/22/2019</a:t>
+              <a:t>1/23/2019</a:t>
             </a:fld>
             <a:endParaRPr lang="en-US" dirty="0"/>
           </a:p>
@@ -770,7 +770,7 @@
             <a:fld id="{18C79C5D-2A6F-F04D-97DA-BEF2467B64E4}" type="datetimeFigureOut">
               <a:rPr lang="en-US" dirty="0"/>
               <a:pPr/>
-              <a:t>1/22/2019</a:t>
+              <a:t>1/23/2019</a:t>
             </a:fld>
             <a:endParaRPr lang="en-US" dirty="0"/>
           </a:p>
@@ -1255,7 +1255,7 @@
             <a:fld id="{8DFA1846-DA80-1C48-A609-854EA85C59AD}" type="datetimeFigureOut">
               <a:rPr lang="en-US" dirty="0"/>
               <a:pPr/>
-              <a:t>1/22/2019</a:t>
+              <a:t>1/23/2019</a:t>
             </a:fld>
             <a:endParaRPr lang="en-US" dirty="0"/>
           </a:p>
@@ -1621,7 +1621,7 @@
             <a:fld id="{FBF54567-0DE4-3F47-BF90-CB84690072F9}" type="datetimeFigureOut">
               <a:rPr lang="en-US" dirty="0"/>
               <a:pPr/>
-              <a:t>1/22/2019</a:t>
+              <a:t>1/23/2019</a:t>
             </a:fld>
             <a:endParaRPr lang="en-US" dirty="0"/>
           </a:p>
@@ -1772,7 +1772,7 @@
           <a:ln/>
           <a:extLst>
             <a:ext uri="{91240B29-F687-4f45-9708-019B960494DF}">
-              <a14:hiddenLine xmlns="" xmlns:a14="http://schemas.microsoft.com/office/drawing/2010/main" w="9525">
+              <a14:hiddenLine xmlns:a14="http://schemas.microsoft.com/office/drawing/2010/main" xmlns="" w="9525">
                 <a:solidFill>
                   <a:srgbClr val="000000"/>
                 </a:solidFill>
@@ -1891,7 +1891,7 @@
             <a:fld id="{C6C52C72-DE31-F449-A4ED-4C594FD91407}" type="datetimeFigureOut">
               <a:rPr lang="en-US" dirty="0"/>
               <a:pPr/>
-              <a:t>1/22/2019</a:t>
+              <a:t>1/23/2019</a:t>
             </a:fld>
             <a:endParaRPr lang="en-US" dirty="0"/>
           </a:p>
@@ -2044,7 +2044,7 @@
           <a:ln/>
           <a:extLst>
             <a:ext uri="{91240B29-F687-4f45-9708-019B960494DF}">
-              <a14:hiddenLine xmlns="" xmlns:a14="http://schemas.microsoft.com/office/drawing/2010/main" w="9525">
+              <a14:hiddenLine xmlns:a14="http://schemas.microsoft.com/office/drawing/2010/main" xmlns="" w="9525">
                 <a:solidFill>
                   <a:srgbClr val="000000"/>
                 </a:solidFill>
@@ -2173,7 +2173,7 @@
             <a:fld id="{ED62726E-379B-B349-9EED-81ED093FA806}" type="datetimeFigureOut">
               <a:rPr lang="en-US" dirty="0"/>
               <a:pPr/>
-              <a:t>1/22/2019</a:t>
+              <a:t>1/23/2019</a:t>
             </a:fld>
             <a:endParaRPr lang="en-US" dirty="0"/>
           </a:p>
@@ -2324,7 +2324,7 @@
           <a:ln/>
           <a:extLst>
             <a:ext uri="{91240B29-F687-4f45-9708-019B960494DF}">
-              <a14:hiddenLine xmlns="" xmlns:a14="http://schemas.microsoft.com/office/drawing/2010/main" w="9525">
+              <a14:hiddenLine xmlns:a14="http://schemas.microsoft.com/office/drawing/2010/main" xmlns="" w="9525">
                 <a:solidFill>
                   <a:srgbClr val="000000"/>
                 </a:solidFill>
@@ -2453,7 +2453,7 @@
             <a:fld id="{9B3A1323-8D79-1946-B0D7-40001CF92E9D}" type="datetimeFigureOut">
               <a:rPr lang="en-US" dirty="0"/>
               <a:pPr/>
-              <a:t>1/22/2019</a:t>
+              <a:t>1/23/2019</a:t>
             </a:fld>
             <a:endParaRPr lang="en-US" dirty="0"/>
           </a:p>
@@ -2793,7 +2793,7 @@
             <a:fld id="{8DFA1846-DA80-1C48-A609-854EA85C59AD}" type="datetimeFigureOut">
               <a:rPr lang="en-US" dirty="0"/>
               <a:pPr/>
-              <a:t>1/22/2019</a:t>
+              <a:t>1/23/2019</a:t>
             </a:fld>
             <a:endParaRPr lang="en-US" dirty="0"/>
           </a:p>
@@ -2944,7 +2944,7 @@
           <a:ln/>
           <a:extLst>
             <a:ext uri="{91240B29-F687-4f45-9708-019B960494DF}">
-              <a14:hiddenLine xmlns="" xmlns:a14="http://schemas.microsoft.com/office/drawing/2010/main" w="9525">
+              <a14:hiddenLine xmlns:a14="http://schemas.microsoft.com/office/drawing/2010/main" xmlns="" w="9525">
                 <a:solidFill>
                   <a:srgbClr val="000000"/>
                 </a:solidFill>
@@ -3129,7 +3129,7 @@
             <a:fld id="{57302355-E14B-8545-A8F8-0FE83CC9D524}" type="datetimeFigureOut">
               <a:rPr lang="en-US" dirty="0"/>
               <a:pPr/>
-              <a:t>1/22/2019</a:t>
+              <a:t>1/23/2019</a:t>
             </a:fld>
             <a:endParaRPr lang="en-US" dirty="0"/>
           </a:p>
@@ -3280,7 +3280,7 @@
           <a:ln/>
           <a:extLst>
             <a:ext uri="{91240B29-F687-4f45-9708-019B960494DF}">
-              <a14:hiddenLine xmlns="" xmlns:a14="http://schemas.microsoft.com/office/drawing/2010/main" w="9525">
+              <a14:hiddenLine xmlns:a14="http://schemas.microsoft.com/office/drawing/2010/main" xmlns="" w="9525">
                 <a:solidFill>
                   <a:srgbClr val="000000"/>
                 </a:solidFill>
@@ -3603,7 +3603,7 @@
             <a:fld id="{02640F58-564D-2B4F-AE67-E407BA4FCF45}" type="datetimeFigureOut">
               <a:rPr lang="en-US" dirty="0"/>
               <a:pPr/>
-              <a:t>1/22/2019</a:t>
+              <a:t>1/23/2019</a:t>
             </a:fld>
             <a:endParaRPr lang="en-US" dirty="0"/>
           </a:p>
@@ -3754,7 +3754,7 @@
           <a:ln/>
           <a:extLst>
             <a:ext uri="{91240B29-F687-4f45-9708-019B960494DF}">
-              <a14:hiddenLine xmlns="" xmlns:a14="http://schemas.microsoft.com/office/drawing/2010/main" w="9525">
+              <a14:hiddenLine xmlns:a14="http://schemas.microsoft.com/office/drawing/2010/main" xmlns="" w="9525">
                 <a:solidFill>
                   <a:srgbClr val="000000"/>
                 </a:solidFill>
@@ -3821,7 +3821,7 @@
             <a:fld id="{F13A34C8-038E-2045-AF43-DF7DBB8E0E9E}" type="datetimeFigureOut">
               <a:rPr lang="en-US" dirty="0"/>
               <a:pPr/>
-              <a:t>1/22/2019</a:t>
+              <a:t>1/23/2019</a:t>
             </a:fld>
             <a:endParaRPr lang="en-US" dirty="0"/>
           </a:p>
@@ -3913,7 +3913,7 @@
             <a:fld id="{8818C68F-D26B-8F47-958C-23B49CF8A634}" type="datetimeFigureOut">
               <a:rPr lang="en-US" dirty="0"/>
               <a:pPr/>
-              <a:t>1/22/2019</a:t>
+              <a:t>1/23/2019</a:t>
             </a:fld>
             <a:endParaRPr lang="en-US" dirty="0"/>
           </a:p>
@@ -4177,7 +4177,7 @@
           <a:ln/>
           <a:extLst>
             <a:ext uri="{91240B29-F687-4f45-9708-019B960494DF}">
-              <a14:hiddenLine xmlns="" xmlns:a14="http://schemas.microsoft.com/office/drawing/2010/main" w="9525">
+              <a14:hiddenLine xmlns:a14="http://schemas.microsoft.com/office/drawing/2010/main" xmlns="" w="9525">
                 <a:solidFill>
                   <a:srgbClr val="000000"/>
                 </a:solidFill>
@@ -4377,7 +4377,7 @@
             <a:fld id="{D0DF5E60-9974-AC48-9591-99C2BB44B7CF}" type="datetimeFigureOut">
               <a:rPr lang="en-US" dirty="0"/>
               <a:pPr/>
-              <a:t>1/22/2019</a:t>
+              <a:t>1/23/2019</a:t>
             </a:fld>
             <a:endParaRPr lang="en-US" dirty="0"/>
           </a:p>
@@ -4687,7 +4687,7 @@
             <a:fld id="{18C79C5D-2A6F-F04D-97DA-BEF2467B64E4}" type="datetimeFigureOut">
               <a:rPr lang="en-US" dirty="0"/>
               <a:pPr/>
-              <a:t>1/22/2019</a:t>
+              <a:t>1/23/2019</a:t>
             </a:fld>
             <a:endParaRPr lang="en-US" dirty="0"/>
           </a:p>
@@ -4954,7 +4954,7 @@
             <a:fld id="{09B482E8-6E0E-1B4F-B1FD-C69DB9E858D9}" type="datetimeFigureOut">
               <a:rPr lang="en-US" dirty="0"/>
               <a:pPr/>
-              <a:t>1/22/2019</a:t>
+              <a:t>1/23/2019</a:t>
             </a:fld>
             <a:endParaRPr lang="en-US" dirty="0"/>
           </a:p>
@@ -5985,7 +5985,7 @@
             </a:pPr>
             <a:r>
               <a:rPr lang="fr-FR" sz="2400" dirty="0"/>
-              <a:t>Création d’une application desktop en </a:t>
+              <a:t>Création d’une application desktop en       et de la base de données</a:t>
             </a:r>
           </a:p>
           <a:p>
@@ -5999,13 +5999,9 @@
             </a:r>
           </a:p>
           <a:p>
-            <a:pPr marL="285750" indent="-285750">
-              <a:buFont typeface="Courier New" panose="02070309020205020404" pitchFamily="49" charset="0"/>
-              <a:buChar char="o"/>
-            </a:pPr>
             <a:r>
               <a:rPr lang="fr-FR" sz="2400" dirty="0"/>
-              <a:t>et un station Schneider en TCP/IP</a:t>
+              <a:t>    et une station Schneider en TCP/IP</a:t>
             </a:r>
           </a:p>
         </p:txBody>
@@ -6026,8 +6022,8 @@
         </p:nvSpPr>
         <p:spPr>
           <a:xfrm>
-            <a:off x="7321715" y="1813488"/>
-            <a:ext cx="4845153" cy="1615512"/>
+            <a:off x="7027489" y="1713257"/>
+            <a:ext cx="5145283" cy="1615512"/>
           </a:xfrm>
           <a:prstGeom prst="rect">
             <a:avLst/>
@@ -6258,7 +6254,7 @@
             </a:pPr>
             <a:r>
               <a:rPr lang="fr-FR" sz="2400" dirty="0"/>
-              <a:t>ajout/modification/suppression d’article dans le système</a:t>
+              <a:t>ajout/modification/suppression d’articles dans le système</a:t>
             </a:r>
           </a:p>
           <a:p>
@@ -6403,8 +6399,8 @@
         </p:blipFill>
         <p:spPr bwMode="auto">
           <a:xfrm>
-            <a:off x="5961127" y="5019701"/>
-            <a:ext cx="1287329" cy="665790"/>
+            <a:off x="6096000" y="4644142"/>
+            <a:ext cx="1125859" cy="582280"/>
           </a:xfrm>
           <a:prstGeom prst="rect">
             <a:avLst/>
@@ -6687,7 +6683,7 @@
         </p:blipFill>
         <p:spPr bwMode="auto">
           <a:xfrm>
-            <a:off x="6959593" y="4372455"/>
+            <a:off x="6800202" y="3734891"/>
             <a:ext cx="4796590" cy="843151"/>
           </a:xfrm>
           <a:prstGeom prst="rect">
@@ -6736,6 +6732,107 @@
           <a:xfrm>
             <a:off x="3231299" y="3979153"/>
             <a:ext cx="2090963" cy="2090963"/>
+          </a:xfrm>
+          <a:prstGeom prst="rect">
+            <a:avLst/>
+          </a:prstGeom>
+          <a:noFill/>
+        </p:spPr>
+      </p:pic>
+      <p:pic>
+        <p:nvPicPr>
+          <p:cNvPr id="1026" name="Picture 2" descr="RÃ©sultat de recherche d'images pour &quot;workbench logo&quot;">
+            <a:extLst>
+              <a:ext uri="{FF2B5EF4-FFF2-40B4-BE49-F238E27FC236}">
+                <a16:creationId xmlns:a16="http://schemas.microsoft.com/office/drawing/2014/main" id="{8238DDB5-DB5D-4697-A2C6-ACC8A10D46D8}"/>
+              </a:ext>
+            </a:extLst>
+          </p:cNvPr>
+          <p:cNvPicPr>
+            <a:picLocks noChangeAspect="1" noChangeArrowheads="1"/>
+          </p:cNvPicPr>
+          <p:nvPr/>
+        </p:nvPicPr>
+        <p:blipFill>
+          <a:blip r:embed="rId6">
+            <a:extLst>
+              <a:ext uri="{28A0092B-C50C-407E-A947-70E740481C1C}">
+                <a14:useLocalDpi xmlns:a14="http://schemas.microsoft.com/office/drawing/2010/main" val="0"/>
+              </a:ext>
+            </a:extLst>
+          </a:blip>
+          <a:srcRect/>
+          <a:stretch>
+            <a:fillRect/>
+          </a:stretch>
+        </p:blipFill>
+        <p:spPr bwMode="auto">
+          <a:xfrm>
+            <a:off x="6800202" y="4883933"/>
+            <a:ext cx="2482708" cy="1186183"/>
+          </a:xfrm>
+          <a:prstGeom prst="rect">
+            <a:avLst/>
+          </a:prstGeom>
+          <a:noFill/>
+          <a:extLst>
+            <a:ext uri="{909E8E84-426E-40DD-AFC4-6F175D3DCCD1}">
+              <a14:hiddenFill xmlns:a14="http://schemas.microsoft.com/office/drawing/2010/main">
+                <a:solidFill>
+                  <a:srgbClr val="FFFFFF"/>
+                </a:solidFill>
+              </a14:hiddenFill>
+            </a:ext>
+          </a:extLst>
+        </p:spPr>
+      </p:pic>
+      <p:pic>
+        <p:nvPicPr>
+          <p:cNvPr id="1028" name="Picture 4" descr="Image associÃ©e">
+            <a:extLst>
+              <a:ext uri="{FF2B5EF4-FFF2-40B4-BE49-F238E27FC236}">
+                <a16:creationId xmlns:a16="http://schemas.microsoft.com/office/drawing/2014/main" id="{05D39F09-53A2-42B5-A1C9-255E01C234EA}"/>
+              </a:ext>
+            </a:extLst>
+          </p:cNvPr>
+          <p:cNvPicPr>
+            <a:picLocks noChangeAspect="1" noChangeArrowheads="1"/>
+          </p:cNvPicPr>
+          <p:nvPr/>
+        </p:nvPicPr>
+        <p:blipFill>
+          <a:blip r:embed="rId7">
+            <a:duotone>
+              <a:schemeClr val="accent6">
+                <a:shade val="45000"/>
+                <a:satMod val="135000"/>
+              </a:schemeClr>
+              <a:prstClr val="white"/>
+            </a:duotone>
+            <a:extLst>
+              <a:ext uri="{BEBA8EAE-BF5A-486C-A8C5-ECC9F3942E4B}">
+                <a14:imgProps xmlns:a14="http://schemas.microsoft.com/office/drawing/2010/main">
+                  <a14:imgLayer r:embed="rId8">
+                    <a14:imgEffect>
+                      <a14:brightnessContrast bright="40000" contrast="20000"/>
+                    </a14:imgEffect>
+                  </a14:imgLayer>
+                </a14:imgProps>
+              </a:ext>
+              <a:ext uri="{28A0092B-C50C-407E-A947-70E740481C1C}">
+                <a14:useLocalDpi xmlns:a14="http://schemas.microsoft.com/office/drawing/2010/main" val="0"/>
+              </a:ext>
+            </a:extLst>
+          </a:blip>
+          <a:srcRect/>
+          <a:stretch>
+            <a:fillRect/>
+          </a:stretch>
+        </p:blipFill>
+        <p:spPr bwMode="auto">
+          <a:xfrm>
+            <a:off x="9637151" y="4948386"/>
+            <a:ext cx="1219200" cy="1057275"/>
           </a:xfrm>
           <a:prstGeom prst="rect">
             <a:avLst/>
